--- a/final_project/105753032_Final_Project.pptx
+++ b/final_project/105753032_Final_Project.pptx
@@ -218,7 +218,7 @@
           <a:p>
             <a:fld id="{15C41C98-568E-2F4C-B823-88B8AF57AAA9}" type="datetimeFigureOut">
               <a:rPr kumimoji="1" lang="zh-TW" altLang="en-US" smtClean="0"/>
-              <a:t>2017/6/19</a:t>
+              <a:t>2017/6/20</a:t>
             </a:fld>
             <a:endParaRPr kumimoji="1" lang="zh-TW" altLang="en-US"/>
           </a:p>
@@ -679,15 +679,7 @@
           <a:p>
             <a:r>
               <a:rPr kumimoji="1" lang="en-US" altLang="zh-TW" baseline="0" dirty="0" smtClean="0"/>
-              <a:t>Just </a:t>
-            </a:r>
-            <a:r>
-              <a:rPr kumimoji="1" lang="en-US" altLang="zh-TW" baseline="0" dirty="0" smtClean="0"/>
-              <a:t>downloading it </a:t>
-            </a:r>
-            <a:r>
-              <a:rPr kumimoji="1" lang="en-US" altLang="zh-TW" baseline="0" dirty="0" smtClean="0"/>
-              <a:t>from </a:t>
+              <a:t>Just downloading it from </a:t>
             </a:r>
             <a:r>
               <a:rPr kumimoji="1" lang="en-US" altLang="zh-TW" baseline="0" dirty="0" err="1" smtClean="0"/>
@@ -695,28 +687,16 @@
             </a:r>
             <a:r>
               <a:rPr kumimoji="1" lang="en-US" altLang="zh-TW" baseline="0" dirty="0" smtClean="0"/>
-              <a:t> and follow </a:t>
-            </a:r>
+              <a:t> and follow the readme file</a:t>
+            </a:r>
+          </a:p>
+          <a:p>
+            <a:endParaRPr kumimoji="1" lang="en-US" altLang="zh-TW" baseline="0" dirty="0" smtClean="0"/>
+          </a:p>
+          <a:p>
             <a:r>
               <a:rPr kumimoji="1" lang="en-US" altLang="zh-TW" baseline="0" dirty="0" smtClean="0"/>
-              <a:t>the readme </a:t>
-            </a:r>
-            <a:r>
-              <a:rPr kumimoji="1" lang="en-US" altLang="zh-TW" baseline="0" dirty="0" smtClean="0"/>
-              <a:t>file</a:t>
-            </a:r>
-          </a:p>
-          <a:p>
-            <a:endParaRPr kumimoji="1" lang="en-US" altLang="zh-TW" baseline="0" dirty="0" smtClean="0"/>
-          </a:p>
-          <a:p>
-            <a:r>
-              <a:rPr kumimoji="1" lang="en-US" altLang="zh-TW" baseline="0" dirty="0" smtClean="0"/>
-              <a:t>Last part what is the </a:t>
-            </a:r>
-            <a:r>
-              <a:rPr kumimoji="1" lang="en-US" altLang="zh-TW" baseline="0" dirty="0" smtClean="0"/>
-              <a:t>most </a:t>
+              <a:t>Last part what is the most </a:t>
             </a:r>
             <a:r>
               <a:rPr kumimoji="1" lang="en-US" altLang="zh-TW" baseline="0" dirty="0" err="1" smtClean="0"/>
@@ -724,11 +704,7 @@
             </a:r>
             <a:r>
               <a:rPr kumimoji="1" lang="en-US" altLang="zh-TW" baseline="0" dirty="0" smtClean="0"/>
-              <a:t> part </a:t>
-            </a:r>
-            <a:r>
-              <a:rPr kumimoji="1" lang="en-US" altLang="zh-TW" baseline="0" dirty="0" smtClean="0"/>
-              <a:t>of my project?</a:t>
+              <a:t> part of my project?</a:t>
             </a:r>
           </a:p>
           <a:p>
@@ -740,11 +716,7 @@
           <a:p>
             <a:r>
               <a:rPr kumimoji="1" lang="en-US" altLang="zh-TW" baseline="0" dirty="0" smtClean="0"/>
-              <a:t>First, deciding </a:t>
-            </a:r>
-            <a:r>
-              <a:rPr kumimoji="1" lang="en-US" altLang="zh-TW" baseline="0" dirty="0" smtClean="0"/>
-              <a:t>the dataset </a:t>
+              <a:t>First, deciding the dataset </a:t>
             </a:r>
           </a:p>
           <a:p>
@@ -754,13 +726,8 @@
             </a:r>
             <a:r>
               <a:rPr kumimoji="1" lang="en-US" altLang="zh-TW" baseline="0" dirty="0" smtClean="0"/>
-              <a:t> has many datasets and different </a:t>
-            </a:r>
-            <a:r>
-              <a:rPr kumimoji="1" lang="en-US" altLang="zh-TW" baseline="0" dirty="0" smtClean="0"/>
-              <a:t>topics</a:t>
-            </a:r>
-            <a:endParaRPr kumimoji="1" lang="en-US" altLang="zh-TW" baseline="0" dirty="0" smtClean="0"/>
+              <a:t> has many datasets and different topics</a:t>
+            </a:r>
           </a:p>
           <a:p>
             <a:r>
@@ -791,15 +758,7 @@
           <a:p>
             <a:r>
               <a:rPr kumimoji="1" lang="en-US" altLang="zh-TW" baseline="0" dirty="0" smtClean="0"/>
-              <a:t>I have integrate </a:t>
-            </a:r>
-            <a:r>
-              <a:rPr kumimoji="1" lang="en-US" altLang="zh-TW" baseline="0" dirty="0" smtClean="0"/>
-              <a:t>them </a:t>
-            </a:r>
-            <a:r>
-              <a:rPr kumimoji="1" lang="en-US" altLang="zh-TW" baseline="0" dirty="0" smtClean="0"/>
-              <a:t>into one file </a:t>
+              <a:t>I have integrate them into one file </a:t>
             </a:r>
           </a:p>
           <a:p>
@@ -1149,37 +1108,13 @@
           <a:p>
             <a:r>
               <a:rPr kumimoji="1" lang="en-US" altLang="zh-TW" baseline="0" dirty="0" smtClean="0"/>
-              <a:t>It is going to  predict </a:t>
-            </a:r>
+              <a:t>It is going to  predict which employee will quit</a:t>
+            </a:r>
+          </a:p>
+          <a:p>
             <a:r>
               <a:rPr kumimoji="1" lang="en-US" altLang="zh-TW" baseline="0" dirty="0" smtClean="0"/>
-              <a:t>which </a:t>
-            </a:r>
-            <a:r>
-              <a:rPr kumimoji="1" lang="en-US" altLang="zh-TW" baseline="0" dirty="0" smtClean="0"/>
-              <a:t>employee will quit</a:t>
-            </a:r>
-          </a:p>
-          <a:p>
-            <a:r>
-              <a:rPr kumimoji="1" lang="en-US" altLang="zh-TW" baseline="0" dirty="0" smtClean="0"/>
-              <a:t>This dataset has many </a:t>
-            </a:r>
-            <a:r>
-              <a:rPr kumimoji="1" lang="en-US" altLang="zh-TW" baseline="0" dirty="0" smtClean="0"/>
-              <a:t>variables </a:t>
-            </a:r>
-            <a:r>
-              <a:rPr kumimoji="1" lang="en-US" altLang="zh-TW" baseline="0" dirty="0" smtClean="0"/>
-              <a:t>about </a:t>
-            </a:r>
-            <a:r>
-              <a:rPr kumimoji="1" lang="en-US" altLang="zh-TW" baseline="0" dirty="0" smtClean="0"/>
-              <a:t>employees’ </a:t>
-            </a:r>
-            <a:r>
-              <a:rPr kumimoji="1" lang="en-US" altLang="zh-TW" baseline="0" dirty="0" smtClean="0"/>
-              <a:t>detail like department , education and so on</a:t>
+              <a:t>This dataset has many variables about employees’ detail like department , education and so on</a:t>
             </a:r>
           </a:p>
           <a:p>
@@ -1197,40 +1132,16 @@
           <a:p>
             <a:r>
               <a:rPr kumimoji="1" lang="en-US" altLang="zh-TW" baseline="0" dirty="0" smtClean="0"/>
-              <a:t>And I </a:t>
-            </a:r>
+              <a:t>And I don’t need to do any preprocess because it has no missing data</a:t>
+            </a:r>
+          </a:p>
+          <a:p>
+            <a:endParaRPr kumimoji="1" lang="en-US" altLang="zh-TW" baseline="0" dirty="0" smtClean="0"/>
+          </a:p>
+          <a:p>
             <a:r>
               <a:rPr kumimoji="1" lang="en-US" altLang="zh-TW" baseline="0" dirty="0" smtClean="0"/>
-              <a:t>don’t need to </a:t>
-            </a:r>
-            <a:r>
-              <a:rPr kumimoji="1" lang="en-US" altLang="zh-TW" baseline="0" dirty="0" smtClean="0"/>
-              <a:t>do </a:t>
-            </a:r>
-            <a:r>
-              <a:rPr kumimoji="1" lang="en-US" altLang="zh-TW" baseline="0" dirty="0" smtClean="0"/>
-              <a:t>any </a:t>
-            </a:r>
-            <a:r>
-              <a:rPr kumimoji="1" lang="en-US" altLang="zh-TW" baseline="0" dirty="0" smtClean="0"/>
-              <a:t>preprocess because it has no missing data</a:t>
-            </a:r>
-          </a:p>
-          <a:p>
-            <a:endParaRPr kumimoji="1" lang="en-US" altLang="zh-TW" baseline="0" dirty="0" smtClean="0"/>
-          </a:p>
-          <a:p>
-            <a:r>
-              <a:rPr kumimoji="1" lang="en-US" altLang="zh-TW" baseline="0" dirty="0" smtClean="0"/>
-              <a:t>And every variable </a:t>
-            </a:r>
-            <a:r>
-              <a:rPr kumimoji="1" lang="en-US" altLang="zh-TW" baseline="0" dirty="0" smtClean="0"/>
-              <a:t>can be </a:t>
-            </a:r>
-            <a:r>
-              <a:rPr kumimoji="1" lang="en-US" altLang="zh-TW" baseline="0" dirty="0" smtClean="0"/>
-              <a:t>put into my model</a:t>
+              <a:t>And every variable can be put into my model</a:t>
             </a:r>
           </a:p>
         </p:txBody>
@@ -1454,27 +1365,11 @@
           <a:p>
             <a:r>
               <a:rPr kumimoji="1" lang="en-US" altLang="zh-TW" baseline="0" dirty="0" smtClean="0"/>
-              <a:t>But </a:t>
-            </a:r>
-            <a:r>
-              <a:rPr kumimoji="1" lang="en-US" altLang="zh-TW" baseline="0" dirty="0" smtClean="0"/>
-              <a:t>it did not </a:t>
-            </a:r>
-            <a:r>
-              <a:rPr kumimoji="1" lang="en-US" altLang="zh-TW" baseline="0" dirty="0" smtClean="0"/>
-              <a:t>significantly </a:t>
-            </a:r>
-            <a:r>
-              <a:rPr kumimoji="1" lang="en-US" altLang="zh-TW" baseline="0" dirty="0" smtClean="0"/>
-              <a:t>work</a:t>
+              <a:t>But it did not significantly work</a:t>
             </a:r>
             <a:r>
               <a:rPr kumimoji="1" lang="en-US" altLang="zh-TW" dirty="0" smtClean="0"/>
-              <a:t> </a:t>
-            </a:r>
-            <a:r>
-              <a:rPr kumimoji="1" lang="en-US" altLang="zh-TW" dirty="0" smtClean="0"/>
-              <a:t>.</a:t>
+              <a:t> .</a:t>
             </a:r>
             <a:endParaRPr kumimoji="1" lang="zh-TW" altLang="en-US" dirty="0"/>
           </a:p>
@@ -1580,29 +1475,13 @@
           <a:p>
             <a:r>
               <a:rPr kumimoji="1" lang="en-US" altLang="zh-TW" baseline="0" dirty="0" smtClean="0"/>
-              <a:t>We can see </a:t>
-            </a:r>
+              <a:t>We can see this department is out of distribution</a:t>
+            </a:r>
+          </a:p>
+          <a:p>
             <a:r>
               <a:rPr kumimoji="1" lang="en-US" altLang="zh-TW" baseline="0" dirty="0" smtClean="0"/>
-              <a:t>this department </a:t>
-            </a:r>
-            <a:r>
-              <a:rPr kumimoji="1" lang="en-US" altLang="zh-TW" baseline="0" dirty="0" smtClean="0"/>
-              <a:t>is out of distribution</a:t>
-            </a:r>
-          </a:p>
-          <a:p>
-            <a:r>
-              <a:rPr kumimoji="1" lang="en-US" altLang="zh-TW" baseline="0" dirty="0" smtClean="0"/>
-              <a:t>So I </a:t>
-            </a:r>
-            <a:r>
-              <a:rPr kumimoji="1" lang="en-US" altLang="zh-TW" baseline="0" dirty="0" smtClean="0"/>
-              <a:t>decided </a:t>
-            </a:r>
-            <a:r>
-              <a:rPr kumimoji="1" lang="en-US" altLang="zh-TW" baseline="0" dirty="0" smtClean="0"/>
-              <a:t>not to use this variable</a:t>
+              <a:t>So I decided not to use this variable</a:t>
             </a:r>
             <a:endParaRPr kumimoji="1" lang="zh-TW" altLang="en-US" dirty="0"/>
           </a:p>
@@ -1900,15 +1779,7 @@
             </a:r>
             <a:r>
               <a:rPr kumimoji="1" lang="en-US" altLang="zh-TW" baseline="0" dirty="0" smtClean="0"/>
-              <a:t> shiny and my </a:t>
-            </a:r>
-            <a:r>
-              <a:rPr kumimoji="1" lang="en-US" altLang="zh-TW" baseline="0" dirty="0" smtClean="0"/>
-              <a:t>code </a:t>
-            </a:r>
-            <a:r>
-              <a:rPr kumimoji="1" lang="en-US" altLang="zh-TW" baseline="0" dirty="0" smtClean="0"/>
-              <a:t>on </a:t>
+              <a:t> shiny and my code on </a:t>
             </a:r>
             <a:r>
               <a:rPr kumimoji="1" lang="en-US" altLang="zh-TW" baseline="0" dirty="0" err="1" smtClean="0"/>
@@ -2470,7 +2341,7 @@
           <a:p>
             <a:fld id="{1B6FF8FA-3424-4F49-8B38-895832CADF5C}" type="datetimeFigureOut">
               <a:rPr lang="en-US" smtClean="0"/>
-              <a:t>6/19/17</a:t>
+              <a:t>6/20/17</a:t>
             </a:fld>
             <a:endParaRPr lang="en-US"/>
           </a:p>
@@ -2571,7 +2442,7 @@
           </a:ln>
           <a:extLst>
             <a:ext uri="{91240B29-F687-4f45-9708-019B960494DF}">
-              <a14:hiddenLine xmlns="" xmlns:a14="http://schemas.microsoft.com/office/drawing/2010/main" w="9525">
+              <a14:hiddenLine xmlns:a14="http://schemas.microsoft.com/office/drawing/2010/main" xmlns="" w="9525">
                 <a:solidFill>
                   <a:srgbClr val="000000"/>
                 </a:solidFill>
@@ -2626,7 +2497,7 @@
           </a:ln>
           <a:extLst>
             <a:ext uri="{91240B29-F687-4f45-9708-019B960494DF}">
-              <a14:hiddenLine xmlns="" xmlns:a14="http://schemas.microsoft.com/office/drawing/2010/main" w="9525">
+              <a14:hiddenLine xmlns:a14="http://schemas.microsoft.com/office/drawing/2010/main" xmlns="" w="9525">
                 <a:solidFill>
                   <a:srgbClr val="000000"/>
                 </a:solidFill>
@@ -2886,7 +2757,7 @@
           <a:p>
             <a:fld id="{1B6FF8FA-3424-4F49-8B38-895832CADF5C}" type="datetimeFigureOut">
               <a:rPr lang="en-US" smtClean="0"/>
-              <a:t>6/19/17</a:t>
+              <a:t>6/20/17</a:t>
             </a:fld>
             <a:endParaRPr lang="en-US"/>
           </a:p>
@@ -3134,7 +3005,7 @@
           <a:p>
             <a:fld id="{1B6FF8FA-3424-4F49-8B38-895832CADF5C}" type="datetimeFigureOut">
               <a:rPr lang="en-US" smtClean="0"/>
-              <a:t>6/19/17</a:t>
+              <a:t>6/20/17</a:t>
             </a:fld>
             <a:endParaRPr lang="en-US"/>
           </a:p>
@@ -3674,7 +3545,7 @@
           <a:p>
             <a:fld id="{1B6FF8FA-3424-4F49-8B38-895832CADF5C}" type="datetimeFigureOut">
               <a:rPr lang="en-US" smtClean="0"/>
-              <a:t>6/19/17</a:t>
+              <a:t>6/20/17</a:t>
             </a:fld>
             <a:endParaRPr lang="en-US"/>
           </a:p>
@@ -3922,7 +3793,7 @@
           <a:p>
             <a:fld id="{1B6FF8FA-3424-4F49-8B38-895832CADF5C}" type="datetimeFigureOut">
               <a:rPr lang="en-US" smtClean="0"/>
-              <a:t>6/19/17</a:t>
+              <a:t>6/20/17</a:t>
             </a:fld>
             <a:endParaRPr lang="en-US"/>
           </a:p>
@@ -4454,7 +4325,7 @@
           <a:p>
             <a:fld id="{1B6FF8FA-3424-4F49-8B38-895832CADF5C}" type="datetimeFigureOut">
               <a:rPr lang="en-US" smtClean="0"/>
-              <a:t>6/19/17</a:t>
+              <a:t>6/20/17</a:t>
             </a:fld>
             <a:endParaRPr lang="en-US"/>
           </a:p>
@@ -4751,7 +4622,7 @@
           <a:p>
             <a:fld id="{1B6FF8FA-3424-4F49-8B38-895832CADF5C}" type="datetimeFigureOut">
               <a:rPr lang="en-US" smtClean="0"/>
-              <a:t>6/19/17</a:t>
+              <a:t>6/20/17</a:t>
             </a:fld>
             <a:endParaRPr lang="en-US"/>
           </a:p>
@@ -4925,7 +4796,7 @@
           <a:p>
             <a:fld id="{1B6FF8FA-3424-4F49-8B38-895832CADF5C}" type="datetimeFigureOut">
               <a:rPr lang="en-US" smtClean="0"/>
-              <a:t>6/19/17</a:t>
+              <a:t>6/20/17</a:t>
             </a:fld>
             <a:endParaRPr lang="en-US"/>
           </a:p>
@@ -5105,7 +4976,7 @@
           <a:p>
             <a:fld id="{1B6FF8FA-3424-4F49-8B38-895832CADF5C}" type="datetimeFigureOut">
               <a:rPr lang="en-US" smtClean="0"/>
-              <a:t>6/19/17</a:t>
+              <a:t>6/20/17</a:t>
             </a:fld>
             <a:endParaRPr lang="en-US"/>
           </a:p>
@@ -5295,7 +5166,7 @@
           <a:p>
             <a:fld id="{1B6FF8FA-3424-4F49-8B38-895832CADF5C}" type="datetimeFigureOut">
               <a:rPr lang="en-US" smtClean="0"/>
-              <a:t>6/19/17</a:t>
+              <a:t>6/20/17</a:t>
             </a:fld>
             <a:endParaRPr lang="en-US"/>
           </a:p>
@@ -5551,7 +5422,7 @@
           <a:p>
             <a:fld id="{1B6FF8FA-3424-4F49-8B38-895832CADF5C}" type="datetimeFigureOut">
               <a:rPr lang="en-US" smtClean="0"/>
-              <a:t>6/19/17</a:t>
+              <a:t>6/20/17</a:t>
             </a:fld>
             <a:endParaRPr lang="en-US"/>
           </a:p>
@@ -5858,7 +5729,7 @@
           <a:p>
             <a:fld id="{1B6FF8FA-3424-4F49-8B38-895832CADF5C}" type="datetimeFigureOut">
               <a:rPr lang="en-US" smtClean="0"/>
-              <a:t>6/19/17</a:t>
+              <a:t>6/20/17</a:t>
             </a:fld>
             <a:endParaRPr lang="en-US"/>
           </a:p>
@@ -6305,7 +6176,7 @@
           <a:p>
             <a:fld id="{1B6FF8FA-3424-4F49-8B38-895832CADF5C}" type="datetimeFigureOut">
               <a:rPr lang="en-US" smtClean="0"/>
-              <a:t>6/19/17</a:t>
+              <a:t>6/20/17</a:t>
             </a:fld>
             <a:endParaRPr lang="en-US"/>
           </a:p>
@@ -6428,7 +6299,7 @@
           <a:p>
             <a:fld id="{1B6FF8FA-3424-4F49-8B38-895832CADF5C}" type="datetimeFigureOut">
               <a:rPr lang="en-US" smtClean="0"/>
-              <a:t>6/19/17</a:t>
+              <a:t>6/20/17</a:t>
             </a:fld>
             <a:endParaRPr lang="en-US"/>
           </a:p>
@@ -6523,7 +6394,7 @@
           <a:p>
             <a:fld id="{1B6FF8FA-3424-4F49-8B38-895832CADF5C}" type="datetimeFigureOut">
               <a:rPr lang="en-US" smtClean="0"/>
-              <a:t>6/19/17</a:t>
+              <a:t>6/20/17</a:t>
             </a:fld>
             <a:endParaRPr lang="en-US"/>
           </a:p>
@@ -6806,7 +6677,7 @@
           <a:p>
             <a:fld id="{1B6FF8FA-3424-4F49-8B38-895832CADF5C}" type="datetimeFigureOut">
               <a:rPr lang="en-US" smtClean="0"/>
-              <a:t>6/19/17</a:t>
+              <a:t>6/20/17</a:t>
             </a:fld>
             <a:endParaRPr lang="en-US"/>
           </a:p>
@@ -7102,7 +6973,7 @@
           <a:p>
             <a:fld id="{1B6FF8FA-3424-4F49-8B38-895832CADF5C}" type="datetimeFigureOut">
               <a:rPr lang="en-US" smtClean="0"/>
-              <a:t>6/19/17</a:t>
+              <a:t>6/20/17</a:t>
             </a:fld>
             <a:endParaRPr lang="en-US"/>
           </a:p>
@@ -7631,7 +7502,7 @@
           <a:p>
             <a:fld id="{1B6FF8FA-3424-4F49-8B38-895832CADF5C}" type="datetimeFigureOut">
               <a:rPr lang="en-US" smtClean="0"/>
-              <a:t>6/19/17</a:t>
+              <a:t>6/20/17</a:t>
             </a:fld>
             <a:endParaRPr lang="en-US"/>
           </a:p>
@@ -9582,6 +9453,52 @@
           </a:effectLst>
         </p:spPr>
       </p:pic>
+      <p:sp>
+        <p:nvSpPr>
+          <p:cNvPr id="4" name="矩形 3"/>
+          <p:cNvSpPr/>
+          <p:nvPr/>
+        </p:nvSpPr>
+        <p:spPr>
+          <a:xfrm>
+            <a:off x="959223" y="3853543"/>
+            <a:ext cx="7727577" cy="1300883"/>
+          </a:xfrm>
+          <a:prstGeom prst="rect">
+            <a:avLst/>
+          </a:prstGeom>
+          <a:noFill/>
+          <a:ln w="57150">
+            <a:solidFill>
+              <a:srgbClr val="FF0000"/>
+            </a:solidFill>
+          </a:ln>
+        </p:spPr>
+        <p:style>
+          <a:lnRef idx="2">
+            <a:schemeClr val="accent1">
+              <a:shade val="50000"/>
+            </a:schemeClr>
+          </a:lnRef>
+          <a:fillRef idx="1">
+            <a:schemeClr val="accent1"/>
+          </a:fillRef>
+          <a:effectRef idx="0">
+            <a:schemeClr val="accent1"/>
+          </a:effectRef>
+          <a:fontRef idx="minor">
+            <a:schemeClr val="lt1"/>
+          </a:fontRef>
+        </p:style>
+        <p:txBody>
+          <a:bodyPr rtlCol="0" anchor="ctr"/>
+          <a:lstStyle/>
+          <a:p>
+            <a:pPr algn="ctr"/>
+            <a:endParaRPr kumimoji="1" lang="zh-TW" altLang="en-US"/>
+          </a:p>
+        </p:txBody>
+      </p:sp>
     </p:spTree>
     <p:extLst>
       <p:ext uri="{BB962C8B-B14F-4D97-AF65-F5344CB8AC3E}">

--- a/final_project/105753032_Final_Project.pptx
+++ b/final_project/105753032_Final_Project.pptx
@@ -5,7 +5,7 @@
     <p:sldMasterId id="2147484064" r:id="rId1"/>
   </p:sldMasterIdLst>
   <p:notesMasterIdLst>
-    <p:notesMasterId r:id="rId13"/>
+    <p:notesMasterId r:id="rId14"/>
   </p:notesMasterIdLst>
   <p:sldIdLst>
     <p:sldId id="256" r:id="rId2"/>
@@ -16,9 +16,10 @@
     <p:sldId id="296" r:id="rId7"/>
     <p:sldId id="298" r:id="rId8"/>
     <p:sldId id="299" r:id="rId9"/>
-    <p:sldId id="290" r:id="rId10"/>
-    <p:sldId id="287" r:id="rId11"/>
-    <p:sldId id="297" r:id="rId12"/>
+    <p:sldId id="300" r:id="rId10"/>
+    <p:sldId id="290" r:id="rId11"/>
+    <p:sldId id="287" r:id="rId12"/>
+    <p:sldId id="297" r:id="rId13"/>
   </p:sldIdLst>
   <p:sldSz cx="9144000" cy="6858000" type="screen4x3"/>
   <p:notesSz cx="6858000" cy="9144000"/>
@@ -669,121 +670,16 @@
           <a:p>
             <a:r>
               <a:rPr kumimoji="1" lang="en-US" altLang="zh-TW" dirty="0" smtClean="0"/>
-              <a:t>It is</a:t>
+              <a:t>Here is the picture of my shiny and </a:t>
+            </a:r>
+            <a:r>
+              <a:rPr kumimoji="1" lang="en-US" altLang="zh-TW" dirty="0" err="1" smtClean="0"/>
+              <a:t>rmarkdown</a:t>
             </a:r>
             <a:r>
               <a:rPr kumimoji="1" lang="en-US" altLang="zh-TW" baseline="0" dirty="0" smtClean="0"/>
-              <a:t> very easy to reproduce my result </a:t>
-            </a:r>
-          </a:p>
-          <a:p>
-            <a:r>
-              <a:rPr kumimoji="1" lang="en-US" altLang="zh-TW" baseline="0" dirty="0" smtClean="0"/>
-              <a:t>Just downloading it from </a:t>
-            </a:r>
-            <a:r>
-              <a:rPr kumimoji="1" lang="en-US" altLang="zh-TW" baseline="0" dirty="0" err="1" smtClean="0"/>
-              <a:t>github</a:t>
-            </a:r>
-            <a:r>
-              <a:rPr kumimoji="1" lang="en-US" altLang="zh-TW" baseline="0" dirty="0" smtClean="0"/>
-              <a:t> and follow the readme file</a:t>
-            </a:r>
-          </a:p>
-          <a:p>
-            <a:endParaRPr kumimoji="1" lang="en-US" altLang="zh-TW" baseline="0" dirty="0" smtClean="0"/>
-          </a:p>
-          <a:p>
-            <a:r>
-              <a:rPr kumimoji="1" lang="en-US" altLang="zh-TW" baseline="0" dirty="0" smtClean="0"/>
-              <a:t>Last part what is the most </a:t>
-            </a:r>
-            <a:r>
-              <a:rPr kumimoji="1" lang="en-US" altLang="zh-TW" baseline="0" dirty="0" err="1" smtClean="0"/>
-              <a:t>challengeing</a:t>
-            </a:r>
-            <a:r>
-              <a:rPr kumimoji="1" lang="en-US" altLang="zh-TW" baseline="0" dirty="0" smtClean="0"/>
-              <a:t> part of my project?</a:t>
-            </a:r>
-          </a:p>
-          <a:p>
-            <a:r>
-              <a:rPr kumimoji="1" lang="en-US" altLang="zh-TW" baseline="0" dirty="0" smtClean="0"/>
-              <a:t>I think </a:t>
-            </a:r>
-          </a:p>
-          <a:p>
-            <a:r>
-              <a:rPr kumimoji="1" lang="en-US" altLang="zh-TW" baseline="0" dirty="0" smtClean="0"/>
-              <a:t>First, deciding the dataset </a:t>
-            </a:r>
-          </a:p>
-          <a:p>
-            <a:r>
-              <a:rPr kumimoji="1" lang="en-US" altLang="zh-TW" baseline="0" dirty="0" err="1" smtClean="0"/>
-              <a:t>Kaggle</a:t>
-            </a:r>
-            <a:r>
-              <a:rPr kumimoji="1" lang="en-US" altLang="zh-TW" baseline="0" dirty="0" smtClean="0"/>
-              <a:t> has many datasets and different topics</a:t>
-            </a:r>
-          </a:p>
-          <a:p>
-            <a:r>
-              <a:rPr kumimoji="1" lang="en-US" altLang="zh-TW" baseline="0" dirty="0" smtClean="0"/>
-              <a:t>It</a:t>
-            </a:r>
-            <a:r>
-              <a:rPr kumimoji="1" lang="mr-IN" altLang="zh-TW" baseline="0" dirty="0" smtClean="0"/>
-              <a:t>’</a:t>
-            </a:r>
-            <a:r>
-              <a:rPr kumimoji="1" lang="en-US" altLang="zh-TW" baseline="0" dirty="0" smtClean="0"/>
-              <a:t>s hard to decide what to do</a:t>
-            </a:r>
-          </a:p>
-          <a:p>
-            <a:r>
-              <a:rPr kumimoji="1" lang="en-US" altLang="zh-TW" baseline="0" dirty="0" smtClean="0"/>
-              <a:t>Second </a:t>
-            </a:r>
-          </a:p>
-          <a:p>
-            <a:r>
-              <a:rPr kumimoji="1" lang="en-US" altLang="zh-TW" baseline="0" dirty="0" smtClean="0"/>
-              <a:t>Most code of my final project is from the homework </a:t>
-            </a:r>
-          </a:p>
-          <a:p>
-            <a:r>
-              <a:rPr kumimoji="1" lang="en-US" altLang="zh-TW" baseline="0" dirty="0" smtClean="0"/>
-              <a:t>I have integrate them into one file </a:t>
-            </a:r>
-          </a:p>
-          <a:p>
-            <a:r>
-              <a:rPr kumimoji="1" lang="en-US" altLang="zh-TW" baseline="0" dirty="0" smtClean="0"/>
-              <a:t>It is a big work</a:t>
-            </a:r>
-          </a:p>
-          <a:p>
-            <a:r>
-              <a:rPr kumimoji="1" lang="en-US" altLang="zh-TW" baseline="0" dirty="0" smtClean="0"/>
-              <a:t>Third</a:t>
-            </a:r>
-          </a:p>
-          <a:p>
-            <a:r>
-              <a:rPr kumimoji="1" lang="en-US" altLang="zh-TW" baseline="0" dirty="0" smtClean="0"/>
-              <a:t>There are too many visualization package to select and it takes a lot of time to understand every package document</a:t>
-            </a:r>
-          </a:p>
-          <a:p>
-            <a:endParaRPr kumimoji="1" lang="en-US" altLang="zh-TW" baseline="0" dirty="0" smtClean="0"/>
-          </a:p>
-          <a:p>
-            <a:endParaRPr kumimoji="1" lang="en-US" altLang="zh-TW" baseline="0" dirty="0" smtClean="0"/>
+              <a:t> html</a:t>
+            </a:r>
           </a:p>
           <a:p>
             <a:endParaRPr kumimoji="1" lang="zh-TW" altLang="en-US" dirty="0"/>
@@ -816,7 +712,7 @@
     </p:spTree>
     <p:extLst>
       <p:ext uri="{BB962C8B-B14F-4D97-AF65-F5344CB8AC3E}">
-        <p14:creationId xmlns:p14="http://schemas.microsoft.com/office/powerpoint/2010/main" val="627856236"/>
+        <p14:creationId xmlns:p14="http://schemas.microsoft.com/office/powerpoint/2010/main" val="671189318"/>
       </p:ext>
     </p:extLst>
   </p:cSld>
@@ -871,6 +767,228 @@
           <a:lstStyle/>
           <a:p>
             <a:r>
+              <a:rPr kumimoji="1" lang="en-US" altLang="zh-TW" dirty="0" smtClean="0"/>
+              <a:t>It is</a:t>
+            </a:r>
+            <a:r>
+              <a:rPr kumimoji="1" lang="en-US" altLang="zh-TW" baseline="0" dirty="0" smtClean="0"/>
+              <a:t> very easy to reproduce my result </a:t>
+            </a:r>
+          </a:p>
+          <a:p>
+            <a:r>
+              <a:rPr kumimoji="1" lang="en-US" altLang="zh-TW" baseline="0" dirty="0" smtClean="0"/>
+              <a:t>Just downloading it from </a:t>
+            </a:r>
+            <a:r>
+              <a:rPr kumimoji="1" lang="en-US" altLang="zh-TW" baseline="0" dirty="0" err="1" smtClean="0"/>
+              <a:t>github</a:t>
+            </a:r>
+            <a:r>
+              <a:rPr kumimoji="1" lang="en-US" altLang="zh-TW" baseline="0" dirty="0" smtClean="0"/>
+              <a:t> and follow the readme </a:t>
+            </a:r>
+            <a:r>
+              <a:rPr kumimoji="1" lang="en-US" altLang="zh-TW" baseline="0" dirty="0" smtClean="0"/>
+              <a:t>file or</a:t>
+            </a:r>
+          </a:p>
+          <a:p>
+            <a:r>
+              <a:rPr kumimoji="1" lang="en-US" altLang="zh-TW" baseline="0" dirty="0" smtClean="0"/>
+              <a:t>You can see the </a:t>
+            </a:r>
+            <a:r>
+              <a:rPr kumimoji="1" lang="en-US" altLang="zh-TW" baseline="0" dirty="0" err="1" smtClean="0"/>
+              <a:t>rmarkdown</a:t>
+            </a:r>
+            <a:r>
+              <a:rPr kumimoji="1" lang="en-US" altLang="zh-TW" baseline="0" dirty="0" smtClean="0"/>
+              <a:t> html</a:t>
+            </a:r>
+            <a:endParaRPr kumimoji="1" lang="en-US" altLang="zh-TW" baseline="0" dirty="0" smtClean="0"/>
+          </a:p>
+          <a:p>
+            <a:endParaRPr kumimoji="1" lang="en-US" altLang="zh-TW" baseline="0" dirty="0" smtClean="0"/>
+          </a:p>
+          <a:p>
+            <a:r>
+              <a:rPr kumimoji="1" lang="en-US" altLang="zh-TW" baseline="0" dirty="0" smtClean="0"/>
+              <a:t>Last part what is the most </a:t>
+            </a:r>
+            <a:r>
+              <a:rPr kumimoji="1" lang="en-US" altLang="zh-TW" baseline="0" dirty="0" err="1" smtClean="0"/>
+              <a:t>challengeing</a:t>
+            </a:r>
+            <a:r>
+              <a:rPr kumimoji="1" lang="en-US" altLang="zh-TW" baseline="0" dirty="0" smtClean="0"/>
+              <a:t> part of my project?</a:t>
+            </a:r>
+          </a:p>
+          <a:p>
+            <a:r>
+              <a:rPr kumimoji="1" lang="en-US" altLang="zh-TW" baseline="0" dirty="0" smtClean="0"/>
+              <a:t>I think </a:t>
+            </a:r>
+          </a:p>
+          <a:p>
+            <a:r>
+              <a:rPr kumimoji="1" lang="en-US" altLang="zh-TW" baseline="0" dirty="0" smtClean="0"/>
+              <a:t>First, deciding the dataset </a:t>
+            </a:r>
+          </a:p>
+          <a:p>
+            <a:r>
+              <a:rPr kumimoji="1" lang="en-US" altLang="zh-TW" baseline="0" dirty="0" err="1" smtClean="0"/>
+              <a:t>Kaggle</a:t>
+            </a:r>
+            <a:r>
+              <a:rPr kumimoji="1" lang="en-US" altLang="zh-TW" baseline="0" dirty="0" smtClean="0"/>
+              <a:t> has many datasets and different topics</a:t>
+            </a:r>
+          </a:p>
+          <a:p>
+            <a:r>
+              <a:rPr kumimoji="1" lang="en-US" altLang="zh-TW" baseline="0" dirty="0" smtClean="0"/>
+              <a:t>It</a:t>
+            </a:r>
+            <a:r>
+              <a:rPr kumimoji="1" lang="mr-IN" altLang="zh-TW" baseline="0" dirty="0" smtClean="0"/>
+              <a:t>’</a:t>
+            </a:r>
+            <a:r>
+              <a:rPr kumimoji="1" lang="en-US" altLang="zh-TW" baseline="0" dirty="0" smtClean="0"/>
+              <a:t>s hard to decide what to do</a:t>
+            </a:r>
+          </a:p>
+          <a:p>
+            <a:r>
+              <a:rPr kumimoji="1" lang="en-US" altLang="zh-TW" baseline="0" dirty="0" smtClean="0"/>
+              <a:t>Second </a:t>
+            </a:r>
+          </a:p>
+          <a:p>
+            <a:r>
+              <a:rPr kumimoji="1" lang="en-US" altLang="zh-TW" baseline="0" dirty="0" smtClean="0"/>
+              <a:t>Most code of my final project is from the homework </a:t>
+            </a:r>
+          </a:p>
+          <a:p>
+            <a:r>
+              <a:rPr kumimoji="1" lang="en-US" altLang="zh-TW" baseline="0" dirty="0" smtClean="0"/>
+              <a:t>I have integrate them into one file </a:t>
+            </a:r>
+          </a:p>
+          <a:p>
+            <a:r>
+              <a:rPr kumimoji="1" lang="en-US" altLang="zh-TW" baseline="0" dirty="0" smtClean="0"/>
+              <a:t>It is a big work</a:t>
+            </a:r>
+          </a:p>
+          <a:p>
+            <a:r>
+              <a:rPr kumimoji="1" lang="en-US" altLang="zh-TW" baseline="0" dirty="0" smtClean="0"/>
+              <a:t>Third</a:t>
+            </a:r>
+          </a:p>
+          <a:p>
+            <a:r>
+              <a:rPr kumimoji="1" lang="en-US" altLang="zh-TW" baseline="0" dirty="0" smtClean="0"/>
+              <a:t>There are too many visualization package to select and it takes a lot of time to understand every package document</a:t>
+            </a:r>
+          </a:p>
+          <a:p>
+            <a:endParaRPr kumimoji="1" lang="en-US" altLang="zh-TW" baseline="0" dirty="0" smtClean="0"/>
+          </a:p>
+          <a:p>
+            <a:endParaRPr kumimoji="1" lang="en-US" altLang="zh-TW" baseline="0" dirty="0" smtClean="0"/>
+          </a:p>
+          <a:p>
+            <a:endParaRPr kumimoji="1" lang="zh-TW" altLang="en-US" dirty="0"/>
+          </a:p>
+        </p:txBody>
+      </p:sp>
+      <p:sp>
+        <p:nvSpPr>
+          <p:cNvPr id="4" name="投影片編號版面配置區 3"/>
+          <p:cNvSpPr>
+            <a:spLocks noGrp="1"/>
+          </p:cNvSpPr>
+          <p:nvPr>
+            <p:ph type="sldNum" sz="quarter" idx="10"/>
+          </p:nvPr>
+        </p:nvSpPr>
+        <p:spPr/>
+        <p:txBody>
+          <a:bodyPr/>
+          <a:lstStyle/>
+          <a:p>
+            <a:fld id="{59C3ED2A-5796-764F-AE55-2284182E808F}" type="slidenum">
+              <a:rPr kumimoji="1" lang="zh-TW" altLang="en-US" smtClean="0"/>
+              <a:t>11</a:t>
+            </a:fld>
+            <a:endParaRPr kumimoji="1" lang="zh-TW" altLang="en-US"/>
+          </a:p>
+        </p:txBody>
+      </p:sp>
+    </p:spTree>
+    <p:extLst>
+      <p:ext uri="{BB962C8B-B14F-4D97-AF65-F5344CB8AC3E}">
+        <p14:creationId xmlns:p14="http://schemas.microsoft.com/office/powerpoint/2010/main" val="627856236"/>
+      </p:ext>
+    </p:extLst>
+  </p:cSld>
+  <p:clrMapOvr>
+    <a:masterClrMapping/>
+  </p:clrMapOvr>
+</p:notes>
+</file>
+
+<file path=ppt/notesSlides/notesSlide12.xml><?xml version="1.0" encoding="utf-8"?>
+<p:notes xmlns:a="http://schemas.openxmlformats.org/drawingml/2006/main" xmlns:r="http://schemas.openxmlformats.org/officeDocument/2006/relationships" xmlns:p="http://schemas.openxmlformats.org/presentationml/2006/main">
+  <p:cSld>
+    <p:spTree>
+      <p:nvGrpSpPr>
+        <p:cNvPr id="1" name=""/>
+        <p:cNvGrpSpPr/>
+        <p:nvPr/>
+      </p:nvGrpSpPr>
+      <p:grpSpPr>
+        <a:xfrm>
+          <a:off x="0" y="0"/>
+          <a:ext cx="0" cy="0"/>
+          <a:chOff x="0" y="0"/>
+          <a:chExt cx="0" cy="0"/>
+        </a:xfrm>
+      </p:grpSpPr>
+      <p:sp>
+        <p:nvSpPr>
+          <p:cNvPr id="2" name="投影片影像版面配置區 1"/>
+          <p:cNvSpPr>
+            <a:spLocks noGrp="1" noRot="1" noChangeAspect="1"/>
+          </p:cNvSpPr>
+          <p:nvPr>
+            <p:ph type="sldImg"/>
+          </p:nvPr>
+        </p:nvSpPr>
+        <p:spPr/>
+      </p:sp>
+      <p:sp>
+        <p:nvSpPr>
+          <p:cNvPr id="3" name="備忘稿版面配置區 2"/>
+          <p:cNvSpPr>
+            <a:spLocks noGrp="1"/>
+          </p:cNvSpPr>
+          <p:nvPr>
+            <p:ph type="body" idx="1"/>
+          </p:nvPr>
+        </p:nvSpPr>
+        <p:spPr/>
+        <p:txBody>
+          <a:bodyPr/>
+          <a:lstStyle/>
+          <a:p>
+            <a:r>
               <a:rPr kumimoji="1" lang="en-US" altLang="zh-TW" dirty="0" smtClean="0">
                 <a:latin typeface="Apple Chancery" charset="0"/>
                 <a:ea typeface="Apple Chancery" charset="0"/>
@@ -921,7 +1039,7 @@
           <a:p>
             <a:fld id="{59C3ED2A-5796-764F-AE55-2284182E808F}" type="slidenum">
               <a:rPr kumimoji="1" lang="zh-TW" altLang="en-US" smtClean="0"/>
-              <a:t>11</a:t>
+              <a:t>12</a:t>
             </a:fld>
             <a:endParaRPr kumimoji="1" lang="zh-TW" altLang="en-US"/>
           </a:p>
@@ -1815,7 +1933,7 @@
     </p:spTree>
     <p:extLst>
       <p:ext uri="{BB962C8B-B14F-4D97-AF65-F5344CB8AC3E}">
-        <p14:creationId xmlns:p14="http://schemas.microsoft.com/office/powerpoint/2010/main" val="671189318"/>
+        <p14:creationId xmlns:p14="http://schemas.microsoft.com/office/powerpoint/2010/main" val="1992677656"/>
       </p:ext>
     </p:extLst>
   </p:cSld>
@@ -8166,104 +8284,599 @@
           </a:p>
         </p:txBody>
       </p:sp>
-      <p:sp>
-        <p:nvSpPr>
-          <p:cNvPr id="3" name="內容版面配置區 2"/>
-          <p:cNvSpPr>
-            <a:spLocks noGrp="1"/>
-          </p:cNvSpPr>
+      <p:pic>
+        <p:nvPicPr>
+          <p:cNvPr id="5" name="內容版面配置區 4"/>
+          <p:cNvPicPr>
+            <a:picLocks noGrp="1" noChangeAspect="1"/>
+          </p:cNvPicPr>
           <p:nvPr>
             <p:ph idx="1"/>
           </p:nvPr>
-        </p:nvSpPr>
+        </p:nvPicPr>
+        <p:blipFill>
+          <a:blip r:embed="rId3">
+            <a:extLst>
+              <a:ext uri="{28A0092B-C50C-407E-A947-70E740481C1C}">
+                <a14:useLocalDpi xmlns:a14="http://schemas.microsoft.com/office/drawing/2010/main" val="0"/>
+              </a:ext>
+            </a:extLst>
+          </a:blip>
+          <a:stretch>
+            <a:fillRect/>
+          </a:stretch>
+        </p:blipFill>
         <p:spPr>
           <a:xfrm>
-            <a:off x="977152" y="1544919"/>
-            <a:ext cx="9529482" cy="5259294"/>
+            <a:off x="593474" y="1981200"/>
+            <a:ext cx="3670074" cy="4430485"/>
           </a:xfrm>
+          <a:effectLst>
+            <a:outerShdw blurRad="50800" dist="76200" dir="18900000" algn="bl" rotWithShape="0">
+              <a:prstClr val="black">
+                <a:alpha val="40000"/>
+              </a:prstClr>
+            </a:outerShdw>
+          </a:effectLst>
         </p:spPr>
-        <p:txBody>
-          <a:bodyPr anchor="t">
-            <a:normAutofit fontScale="92500" lnSpcReduction="10000"/>
+      </p:pic>
+      <p:pic>
+        <p:nvPicPr>
+          <p:cNvPr id="6" name="圖片 5"/>
+          <p:cNvPicPr>
+            <a:picLocks noChangeAspect="1"/>
+          </p:cNvPicPr>
+          <p:nvPr/>
+        </p:nvPicPr>
+        <p:blipFill>
+          <a:blip r:embed="rId4">
+            <a:extLst>
+              <a:ext uri="{28A0092B-C50C-407E-A947-70E740481C1C}">
+                <a14:useLocalDpi xmlns:a14="http://schemas.microsoft.com/office/drawing/2010/main" val="0"/>
+              </a:ext>
+            </a:extLst>
+          </a:blip>
+          <a:stretch>
+            <a:fillRect/>
+          </a:stretch>
+        </p:blipFill>
+        <p:spPr>
+          <a:xfrm>
+            <a:off x="4652207" y="2415880"/>
+            <a:ext cx="4232845" cy="2057399"/>
+          </a:xfrm>
+          <a:prstGeom prst="rect">
+            <a:avLst/>
+          </a:prstGeom>
+          <a:effectLst>
+            <a:outerShdw blurRad="50800" dist="76200" dir="18900000" algn="bl" rotWithShape="0">
+              <a:prstClr val="black">
+                <a:alpha val="40000"/>
+              </a:prstClr>
+            </a:outerShdw>
+          </a:effectLst>
+        </p:spPr>
+      </p:pic>
+      <p:sp>
+        <p:nvSpPr>
+          <p:cNvPr id="7" name="內容版面配置區 2"/>
+          <p:cNvSpPr txBox="1">
+            <a:spLocks/>
+          </p:cNvSpPr>
+          <p:nvPr/>
+        </p:nvSpPr>
+        <p:spPr>
+          <a:xfrm>
+            <a:off x="4132922" y="5935912"/>
+            <a:ext cx="2717779" cy="572250"/>
+          </a:xfrm>
+          <a:prstGeom prst="rect">
+            <a:avLst/>
+          </a:prstGeom>
+        </p:spPr>
+        <p:txBody>
+          <a:bodyPr vert="horz" lIns="91440" tIns="45720" rIns="91440" bIns="45720" rtlCol="0" anchor="t">
+            <a:normAutofit lnSpcReduction="10000"/>
           </a:bodyPr>
-          <a:lstStyle/>
-          <a:p>
-            <a:r>
-              <a:rPr lang="en-US" altLang="zh-TW" sz="3600" dirty="0" smtClean="0"/>
-              <a:t>Demo</a:t>
-            </a:r>
-          </a:p>
-          <a:p>
-            <a:pPr lvl="1"/>
-            <a:r>
-              <a:rPr lang="en-US" altLang="zh-TW" sz="3600" dirty="0" smtClean="0"/>
-              <a:t>How to reproduce your result?</a:t>
-            </a:r>
-          </a:p>
-          <a:p>
-            <a:pPr lvl="2"/>
-            <a:r>
-              <a:rPr lang="en-US" altLang="zh-TW" sz="3600" dirty="0" smtClean="0"/>
-              <a:t>Download from my </a:t>
-            </a:r>
-            <a:r>
-              <a:rPr lang="en-US" altLang="zh-TW" sz="3600" dirty="0" err="1" smtClean="0"/>
-              <a:t>github</a:t>
-            </a:r>
-            <a:r>
-              <a:rPr lang="en-US" altLang="zh-TW" sz="3600" dirty="0" smtClean="0"/>
-              <a:t> link</a:t>
-            </a:r>
-          </a:p>
-          <a:p>
-            <a:pPr lvl="2"/>
-            <a:r>
-              <a:rPr lang="en-US" altLang="zh-TW" sz="3600" dirty="0" smtClean="0"/>
-              <a:t>Follow readme file</a:t>
-            </a:r>
-          </a:p>
-          <a:p>
-            <a:pPr lvl="1"/>
-            <a:r>
-              <a:rPr lang="en-US" altLang="zh-TW" sz="3600" dirty="0"/>
-              <a:t>What is the challenge part of your project</a:t>
-            </a:r>
-            <a:r>
-              <a:rPr lang="en-US" altLang="zh-TW" sz="3600" dirty="0" smtClean="0"/>
-              <a:t>?</a:t>
-            </a:r>
-          </a:p>
-          <a:p>
-            <a:pPr lvl="2"/>
-            <a:r>
-              <a:rPr lang="en-US" altLang="zh-TW" sz="3600" dirty="0" smtClean="0"/>
-              <a:t>Decide the dataset </a:t>
-            </a:r>
-          </a:p>
-          <a:p>
-            <a:pPr lvl="2"/>
-            <a:r>
-              <a:rPr lang="en-US" altLang="zh-TW" sz="3600" dirty="0"/>
-              <a:t>Integrate my homework code</a:t>
-            </a:r>
-          </a:p>
-          <a:p>
-            <a:pPr lvl="2"/>
-            <a:r>
-              <a:rPr lang="en-US" altLang="zh-TW" sz="3600" dirty="0" smtClean="0"/>
-              <a:t>Visualization</a:t>
-            </a:r>
-          </a:p>
-          <a:p>
-            <a:pPr lvl="2"/>
-            <a:endParaRPr lang="en-US" altLang="zh-TW" sz="3600" dirty="0" smtClean="0"/>
+          <a:lstStyle>
+            <a:lvl1pPr marL="285750" indent="-285750" algn="l" defTabSz="457200" rtl="0" eaLnBrk="1" latinLnBrk="0" hangingPunct="1">
+              <a:spcBef>
+                <a:spcPct val="20000"/>
+              </a:spcBef>
+              <a:spcAft>
+                <a:spcPts val="600"/>
+              </a:spcAft>
+              <a:buClr>
+                <a:schemeClr val="accent1">
+                  <a:lumMod val="75000"/>
+                </a:schemeClr>
+              </a:buClr>
+              <a:buSzPct val="145000"/>
+              <a:buFont typeface="Arial"/>
+              <a:buChar char="•"/>
+              <a:defRPr sz="2400" kern="1200" cap="none">
+                <a:solidFill>
+                  <a:schemeClr val="tx1"/>
+                </a:solidFill>
+                <a:effectLst/>
+                <a:latin typeface="+mn-lt"/>
+                <a:ea typeface="+mn-ea"/>
+                <a:cs typeface="+mn-cs"/>
+              </a:defRPr>
+            </a:lvl1pPr>
+            <a:lvl2pPr marL="742950" indent="-285750" algn="l" defTabSz="457200" rtl="0" eaLnBrk="1" latinLnBrk="0" hangingPunct="1">
+              <a:spcBef>
+                <a:spcPct val="20000"/>
+              </a:spcBef>
+              <a:spcAft>
+                <a:spcPts val="600"/>
+              </a:spcAft>
+              <a:buClr>
+                <a:schemeClr val="accent1">
+                  <a:lumMod val="75000"/>
+                </a:schemeClr>
+              </a:buClr>
+              <a:buSzPct val="145000"/>
+              <a:buFont typeface="Arial"/>
+              <a:buChar char="•"/>
+              <a:defRPr sz="2000" kern="1200" cap="none">
+                <a:solidFill>
+                  <a:schemeClr val="tx1"/>
+                </a:solidFill>
+                <a:effectLst/>
+                <a:latin typeface="+mn-lt"/>
+                <a:ea typeface="+mn-ea"/>
+                <a:cs typeface="+mn-cs"/>
+              </a:defRPr>
+            </a:lvl2pPr>
+            <a:lvl3pPr marL="1200150" indent="-285750" algn="l" defTabSz="457200" rtl="0" eaLnBrk="1" latinLnBrk="0" hangingPunct="1">
+              <a:spcBef>
+                <a:spcPct val="20000"/>
+              </a:spcBef>
+              <a:spcAft>
+                <a:spcPts val="600"/>
+              </a:spcAft>
+              <a:buClr>
+                <a:schemeClr val="accent1">
+                  <a:lumMod val="75000"/>
+                </a:schemeClr>
+              </a:buClr>
+              <a:buSzPct val="145000"/>
+              <a:buFont typeface="Arial"/>
+              <a:buChar char="•"/>
+              <a:defRPr sz="1800" kern="1200" cap="none">
+                <a:solidFill>
+                  <a:schemeClr val="tx1"/>
+                </a:solidFill>
+                <a:effectLst/>
+                <a:latin typeface="+mn-lt"/>
+                <a:ea typeface="+mn-ea"/>
+                <a:cs typeface="+mn-cs"/>
+              </a:defRPr>
+            </a:lvl3pPr>
+            <a:lvl4pPr marL="1543050" indent="-171450" algn="l" defTabSz="457200" rtl="0" eaLnBrk="1" latinLnBrk="0" hangingPunct="1">
+              <a:spcBef>
+                <a:spcPct val="20000"/>
+              </a:spcBef>
+              <a:spcAft>
+                <a:spcPts val="600"/>
+              </a:spcAft>
+              <a:buClr>
+                <a:schemeClr val="accent1">
+                  <a:lumMod val="75000"/>
+                </a:schemeClr>
+              </a:buClr>
+              <a:buSzPct val="145000"/>
+              <a:buFont typeface="Arial"/>
+              <a:buChar char="•"/>
+              <a:defRPr sz="1600" kern="1200" cap="none">
+                <a:solidFill>
+                  <a:schemeClr val="tx1"/>
+                </a:solidFill>
+                <a:effectLst/>
+                <a:latin typeface="+mn-lt"/>
+                <a:ea typeface="+mn-ea"/>
+                <a:cs typeface="+mn-cs"/>
+              </a:defRPr>
+            </a:lvl4pPr>
+            <a:lvl5pPr marL="2000250" indent="-171450" algn="l" defTabSz="457200" rtl="0" eaLnBrk="1" latinLnBrk="0" hangingPunct="1">
+              <a:spcBef>
+                <a:spcPct val="20000"/>
+              </a:spcBef>
+              <a:spcAft>
+                <a:spcPts val="600"/>
+              </a:spcAft>
+              <a:buClr>
+                <a:schemeClr val="accent1">
+                  <a:lumMod val="75000"/>
+                </a:schemeClr>
+              </a:buClr>
+              <a:buSzPct val="145000"/>
+              <a:buFont typeface="Arial"/>
+              <a:buChar char="•"/>
+              <a:defRPr sz="1400" kern="1200" cap="none">
+                <a:solidFill>
+                  <a:schemeClr val="tx1"/>
+                </a:solidFill>
+                <a:effectLst/>
+                <a:latin typeface="+mn-lt"/>
+                <a:ea typeface="+mn-ea"/>
+                <a:cs typeface="+mn-cs"/>
+              </a:defRPr>
+            </a:lvl5pPr>
+            <a:lvl6pPr marL="2514600" indent="-228600" algn="l" defTabSz="457200" rtl="0" eaLnBrk="1" latinLnBrk="0" hangingPunct="1">
+              <a:spcBef>
+                <a:spcPct val="20000"/>
+              </a:spcBef>
+              <a:spcAft>
+                <a:spcPts val="600"/>
+              </a:spcAft>
+              <a:buClr>
+                <a:schemeClr val="accent1">
+                  <a:lumMod val="75000"/>
+                </a:schemeClr>
+              </a:buClr>
+              <a:buSzPct val="145000"/>
+              <a:buFont typeface="Arial"/>
+              <a:buChar char="•"/>
+              <a:defRPr sz="1400" kern="1200" cap="none">
+                <a:solidFill>
+                  <a:schemeClr val="tx1"/>
+                </a:solidFill>
+                <a:effectLst/>
+                <a:latin typeface="+mn-lt"/>
+                <a:ea typeface="+mn-ea"/>
+                <a:cs typeface="+mn-cs"/>
+              </a:defRPr>
+            </a:lvl6pPr>
+            <a:lvl7pPr marL="2971800" indent="-228600" algn="l" defTabSz="457200" rtl="0" eaLnBrk="1" latinLnBrk="0" hangingPunct="1">
+              <a:spcBef>
+                <a:spcPct val="20000"/>
+              </a:spcBef>
+              <a:spcAft>
+                <a:spcPts val="600"/>
+              </a:spcAft>
+              <a:buClr>
+                <a:schemeClr val="accent1">
+                  <a:lumMod val="75000"/>
+                </a:schemeClr>
+              </a:buClr>
+              <a:buSzPct val="145000"/>
+              <a:buFont typeface="Arial"/>
+              <a:buChar char="•"/>
+              <a:defRPr sz="1400" kern="1200" cap="none">
+                <a:solidFill>
+                  <a:schemeClr val="tx1"/>
+                </a:solidFill>
+                <a:effectLst/>
+                <a:latin typeface="+mn-lt"/>
+                <a:ea typeface="+mn-ea"/>
+                <a:cs typeface="+mn-cs"/>
+              </a:defRPr>
+            </a:lvl7pPr>
+            <a:lvl8pPr marL="3429000" indent="-228600" algn="l" defTabSz="457200" rtl="0" eaLnBrk="1" latinLnBrk="0" hangingPunct="1">
+              <a:spcBef>
+                <a:spcPct val="20000"/>
+              </a:spcBef>
+              <a:spcAft>
+                <a:spcPts val="600"/>
+              </a:spcAft>
+              <a:buClr>
+                <a:schemeClr val="accent1">
+                  <a:lumMod val="75000"/>
+                </a:schemeClr>
+              </a:buClr>
+              <a:buSzPct val="145000"/>
+              <a:buFont typeface="Arial"/>
+              <a:buChar char="•"/>
+              <a:defRPr sz="1400" kern="1200" cap="none">
+                <a:solidFill>
+                  <a:schemeClr val="tx1"/>
+                </a:solidFill>
+                <a:effectLst/>
+                <a:latin typeface="+mn-lt"/>
+                <a:ea typeface="+mn-ea"/>
+                <a:cs typeface="+mn-cs"/>
+              </a:defRPr>
+            </a:lvl8pPr>
+            <a:lvl9pPr marL="3886200" indent="-228600" algn="l" defTabSz="457200" rtl="0" eaLnBrk="1" latinLnBrk="0" hangingPunct="1">
+              <a:spcBef>
+                <a:spcPct val="20000"/>
+              </a:spcBef>
+              <a:spcAft>
+                <a:spcPts val="600"/>
+              </a:spcAft>
+              <a:buClr>
+                <a:schemeClr val="accent1">
+                  <a:lumMod val="75000"/>
+                </a:schemeClr>
+              </a:buClr>
+              <a:buSzPct val="145000"/>
+              <a:buFont typeface="Arial"/>
+              <a:buChar char="•"/>
+              <a:defRPr sz="1400" kern="1200" cap="none">
+                <a:solidFill>
+                  <a:schemeClr val="tx1"/>
+                </a:solidFill>
+                <a:effectLst/>
+                <a:latin typeface="+mn-lt"/>
+                <a:ea typeface="+mn-ea"/>
+                <a:cs typeface="+mn-cs"/>
+              </a:defRPr>
+            </a:lvl9pPr>
+          </a:lstStyle>
+          <a:p>
+            <a:pPr algn="r"/>
+            <a:r>
+              <a:rPr lang="en-US" altLang="zh-TW" sz="3300" dirty="0" err="1" smtClean="0"/>
+              <a:t>Rmarkdown</a:t>
+            </a:r>
+            <a:endParaRPr lang="en-US" altLang="zh-TW" sz="3300" dirty="0"/>
+          </a:p>
+        </p:txBody>
+      </p:sp>
+      <p:sp>
+        <p:nvSpPr>
+          <p:cNvPr id="8" name="內容版面配置區 2"/>
+          <p:cNvSpPr txBox="1">
+            <a:spLocks/>
+          </p:cNvSpPr>
+          <p:nvPr/>
+        </p:nvSpPr>
+        <p:spPr>
+          <a:xfrm>
+            <a:off x="6167273" y="1872345"/>
+            <a:ext cx="2717779" cy="572250"/>
+          </a:xfrm>
+          <a:prstGeom prst="rect">
+            <a:avLst/>
+          </a:prstGeom>
+        </p:spPr>
+        <p:txBody>
+          <a:bodyPr vert="horz" lIns="91440" tIns="45720" rIns="91440" bIns="45720" rtlCol="0" anchor="t">
+            <a:normAutofit lnSpcReduction="10000"/>
+          </a:bodyPr>
+          <a:lstStyle>
+            <a:lvl1pPr marL="285750" indent="-285750" algn="l" defTabSz="457200" rtl="0" eaLnBrk="1" latinLnBrk="0" hangingPunct="1">
+              <a:spcBef>
+                <a:spcPct val="20000"/>
+              </a:spcBef>
+              <a:spcAft>
+                <a:spcPts val="600"/>
+              </a:spcAft>
+              <a:buClr>
+                <a:schemeClr val="accent1">
+                  <a:lumMod val="75000"/>
+                </a:schemeClr>
+              </a:buClr>
+              <a:buSzPct val="145000"/>
+              <a:buFont typeface="Arial"/>
+              <a:buChar char="•"/>
+              <a:defRPr sz="2400" kern="1200" cap="none">
+                <a:solidFill>
+                  <a:schemeClr val="tx1"/>
+                </a:solidFill>
+                <a:effectLst/>
+                <a:latin typeface="+mn-lt"/>
+                <a:ea typeface="+mn-ea"/>
+                <a:cs typeface="+mn-cs"/>
+              </a:defRPr>
+            </a:lvl1pPr>
+            <a:lvl2pPr marL="742950" indent="-285750" algn="l" defTabSz="457200" rtl="0" eaLnBrk="1" latinLnBrk="0" hangingPunct="1">
+              <a:spcBef>
+                <a:spcPct val="20000"/>
+              </a:spcBef>
+              <a:spcAft>
+                <a:spcPts val="600"/>
+              </a:spcAft>
+              <a:buClr>
+                <a:schemeClr val="accent1">
+                  <a:lumMod val="75000"/>
+                </a:schemeClr>
+              </a:buClr>
+              <a:buSzPct val="145000"/>
+              <a:buFont typeface="Arial"/>
+              <a:buChar char="•"/>
+              <a:defRPr sz="2000" kern="1200" cap="none">
+                <a:solidFill>
+                  <a:schemeClr val="tx1"/>
+                </a:solidFill>
+                <a:effectLst/>
+                <a:latin typeface="+mn-lt"/>
+                <a:ea typeface="+mn-ea"/>
+                <a:cs typeface="+mn-cs"/>
+              </a:defRPr>
+            </a:lvl2pPr>
+            <a:lvl3pPr marL="1200150" indent="-285750" algn="l" defTabSz="457200" rtl="0" eaLnBrk="1" latinLnBrk="0" hangingPunct="1">
+              <a:spcBef>
+                <a:spcPct val="20000"/>
+              </a:spcBef>
+              <a:spcAft>
+                <a:spcPts val="600"/>
+              </a:spcAft>
+              <a:buClr>
+                <a:schemeClr val="accent1">
+                  <a:lumMod val="75000"/>
+                </a:schemeClr>
+              </a:buClr>
+              <a:buSzPct val="145000"/>
+              <a:buFont typeface="Arial"/>
+              <a:buChar char="•"/>
+              <a:defRPr sz="1800" kern="1200" cap="none">
+                <a:solidFill>
+                  <a:schemeClr val="tx1"/>
+                </a:solidFill>
+                <a:effectLst/>
+                <a:latin typeface="+mn-lt"/>
+                <a:ea typeface="+mn-ea"/>
+                <a:cs typeface="+mn-cs"/>
+              </a:defRPr>
+            </a:lvl3pPr>
+            <a:lvl4pPr marL="1543050" indent="-171450" algn="l" defTabSz="457200" rtl="0" eaLnBrk="1" latinLnBrk="0" hangingPunct="1">
+              <a:spcBef>
+                <a:spcPct val="20000"/>
+              </a:spcBef>
+              <a:spcAft>
+                <a:spcPts val="600"/>
+              </a:spcAft>
+              <a:buClr>
+                <a:schemeClr val="accent1">
+                  <a:lumMod val="75000"/>
+                </a:schemeClr>
+              </a:buClr>
+              <a:buSzPct val="145000"/>
+              <a:buFont typeface="Arial"/>
+              <a:buChar char="•"/>
+              <a:defRPr sz="1600" kern="1200" cap="none">
+                <a:solidFill>
+                  <a:schemeClr val="tx1"/>
+                </a:solidFill>
+                <a:effectLst/>
+                <a:latin typeface="+mn-lt"/>
+                <a:ea typeface="+mn-ea"/>
+                <a:cs typeface="+mn-cs"/>
+              </a:defRPr>
+            </a:lvl4pPr>
+            <a:lvl5pPr marL="2000250" indent="-171450" algn="l" defTabSz="457200" rtl="0" eaLnBrk="1" latinLnBrk="0" hangingPunct="1">
+              <a:spcBef>
+                <a:spcPct val="20000"/>
+              </a:spcBef>
+              <a:spcAft>
+                <a:spcPts val="600"/>
+              </a:spcAft>
+              <a:buClr>
+                <a:schemeClr val="accent1">
+                  <a:lumMod val="75000"/>
+                </a:schemeClr>
+              </a:buClr>
+              <a:buSzPct val="145000"/>
+              <a:buFont typeface="Arial"/>
+              <a:buChar char="•"/>
+              <a:defRPr sz="1400" kern="1200" cap="none">
+                <a:solidFill>
+                  <a:schemeClr val="tx1"/>
+                </a:solidFill>
+                <a:effectLst/>
+                <a:latin typeface="+mn-lt"/>
+                <a:ea typeface="+mn-ea"/>
+                <a:cs typeface="+mn-cs"/>
+              </a:defRPr>
+            </a:lvl5pPr>
+            <a:lvl6pPr marL="2514600" indent="-228600" algn="l" defTabSz="457200" rtl="0" eaLnBrk="1" latinLnBrk="0" hangingPunct="1">
+              <a:spcBef>
+                <a:spcPct val="20000"/>
+              </a:spcBef>
+              <a:spcAft>
+                <a:spcPts val="600"/>
+              </a:spcAft>
+              <a:buClr>
+                <a:schemeClr val="accent1">
+                  <a:lumMod val="75000"/>
+                </a:schemeClr>
+              </a:buClr>
+              <a:buSzPct val="145000"/>
+              <a:buFont typeface="Arial"/>
+              <a:buChar char="•"/>
+              <a:defRPr sz="1400" kern="1200" cap="none">
+                <a:solidFill>
+                  <a:schemeClr val="tx1"/>
+                </a:solidFill>
+                <a:effectLst/>
+                <a:latin typeface="+mn-lt"/>
+                <a:ea typeface="+mn-ea"/>
+                <a:cs typeface="+mn-cs"/>
+              </a:defRPr>
+            </a:lvl6pPr>
+            <a:lvl7pPr marL="2971800" indent="-228600" algn="l" defTabSz="457200" rtl="0" eaLnBrk="1" latinLnBrk="0" hangingPunct="1">
+              <a:spcBef>
+                <a:spcPct val="20000"/>
+              </a:spcBef>
+              <a:spcAft>
+                <a:spcPts val="600"/>
+              </a:spcAft>
+              <a:buClr>
+                <a:schemeClr val="accent1">
+                  <a:lumMod val="75000"/>
+                </a:schemeClr>
+              </a:buClr>
+              <a:buSzPct val="145000"/>
+              <a:buFont typeface="Arial"/>
+              <a:buChar char="•"/>
+              <a:defRPr sz="1400" kern="1200" cap="none">
+                <a:solidFill>
+                  <a:schemeClr val="tx1"/>
+                </a:solidFill>
+                <a:effectLst/>
+                <a:latin typeface="+mn-lt"/>
+                <a:ea typeface="+mn-ea"/>
+                <a:cs typeface="+mn-cs"/>
+              </a:defRPr>
+            </a:lvl7pPr>
+            <a:lvl8pPr marL="3429000" indent="-228600" algn="l" defTabSz="457200" rtl="0" eaLnBrk="1" latinLnBrk="0" hangingPunct="1">
+              <a:spcBef>
+                <a:spcPct val="20000"/>
+              </a:spcBef>
+              <a:spcAft>
+                <a:spcPts val="600"/>
+              </a:spcAft>
+              <a:buClr>
+                <a:schemeClr val="accent1">
+                  <a:lumMod val="75000"/>
+                </a:schemeClr>
+              </a:buClr>
+              <a:buSzPct val="145000"/>
+              <a:buFont typeface="Arial"/>
+              <a:buChar char="•"/>
+              <a:defRPr sz="1400" kern="1200" cap="none">
+                <a:solidFill>
+                  <a:schemeClr val="tx1"/>
+                </a:solidFill>
+                <a:effectLst/>
+                <a:latin typeface="+mn-lt"/>
+                <a:ea typeface="+mn-ea"/>
+                <a:cs typeface="+mn-cs"/>
+              </a:defRPr>
+            </a:lvl8pPr>
+            <a:lvl9pPr marL="3886200" indent="-228600" algn="l" defTabSz="457200" rtl="0" eaLnBrk="1" latinLnBrk="0" hangingPunct="1">
+              <a:spcBef>
+                <a:spcPct val="20000"/>
+              </a:spcBef>
+              <a:spcAft>
+                <a:spcPts val="600"/>
+              </a:spcAft>
+              <a:buClr>
+                <a:schemeClr val="accent1">
+                  <a:lumMod val="75000"/>
+                </a:schemeClr>
+              </a:buClr>
+              <a:buSzPct val="145000"/>
+              <a:buFont typeface="Arial"/>
+              <a:buChar char="•"/>
+              <a:defRPr sz="1400" kern="1200" cap="none">
+                <a:solidFill>
+                  <a:schemeClr val="tx1"/>
+                </a:solidFill>
+                <a:effectLst/>
+                <a:latin typeface="+mn-lt"/>
+                <a:ea typeface="+mn-ea"/>
+                <a:cs typeface="+mn-cs"/>
+              </a:defRPr>
+            </a:lvl9pPr>
+          </a:lstStyle>
+          <a:p>
+            <a:pPr algn="r"/>
+            <a:r>
+              <a:rPr lang="en-US" altLang="zh-TW" sz="3300" smtClean="0"/>
+              <a:t>Shiny</a:t>
+            </a:r>
+            <a:endParaRPr lang="en-US" altLang="zh-TW" sz="3300" dirty="0"/>
           </a:p>
         </p:txBody>
       </p:sp>
     </p:spTree>
     <p:extLst>
       <p:ext uri="{BB962C8B-B14F-4D97-AF65-F5344CB8AC3E}">
-        <p14:creationId xmlns:p14="http://schemas.microsoft.com/office/powerpoint/2010/main" val="1065414205"/>
+        <p14:creationId xmlns:p14="http://schemas.microsoft.com/office/powerpoint/2010/main" val="112924779"/>
       </p:ext>
     </p:extLst>
   </p:cSld>
@@ -8299,6 +8912,167 @@
       </p:grpSpPr>
       <p:sp>
         <p:nvSpPr>
+          <p:cNvPr id="2" name="標題 1"/>
+          <p:cNvSpPr>
+            <a:spLocks noGrp="1"/>
+          </p:cNvSpPr>
+          <p:nvPr>
+            <p:ph type="title"/>
+          </p:nvPr>
+        </p:nvSpPr>
+        <p:spPr>
+          <a:xfrm>
+            <a:off x="982133" y="0"/>
+            <a:ext cx="7704667" cy="1981200"/>
+          </a:xfrm>
+        </p:spPr>
+        <p:txBody>
+          <a:bodyPr>
+            <a:normAutofit/>
+          </a:bodyPr>
+          <a:lstStyle/>
+          <a:p>
+            <a:r>
+              <a:rPr kumimoji="1" lang="en-US" altLang="zh-TW" sz="5400" dirty="0" smtClean="0"/>
+              <a:t>Output</a:t>
+            </a:r>
+            <a:endParaRPr kumimoji="1" lang="zh-TW" altLang="en-US" sz="5400" dirty="0"/>
+          </a:p>
+        </p:txBody>
+      </p:sp>
+      <p:sp>
+        <p:nvSpPr>
+          <p:cNvPr id="3" name="內容版面配置區 2"/>
+          <p:cNvSpPr>
+            <a:spLocks noGrp="1"/>
+          </p:cNvSpPr>
+          <p:nvPr>
+            <p:ph idx="1"/>
+          </p:nvPr>
+        </p:nvSpPr>
+        <p:spPr>
+          <a:xfrm>
+            <a:off x="977152" y="1544919"/>
+            <a:ext cx="9529482" cy="5259294"/>
+          </a:xfrm>
+        </p:spPr>
+        <p:txBody>
+          <a:bodyPr anchor="t">
+            <a:normAutofit fontScale="92500" lnSpcReduction="10000"/>
+          </a:bodyPr>
+          <a:lstStyle/>
+          <a:p>
+            <a:r>
+              <a:rPr lang="en-US" altLang="zh-TW" sz="3600" dirty="0" smtClean="0"/>
+              <a:t>Demo</a:t>
+            </a:r>
+          </a:p>
+          <a:p>
+            <a:pPr lvl="1"/>
+            <a:r>
+              <a:rPr lang="en-US" altLang="zh-TW" sz="3600" dirty="0" smtClean="0"/>
+              <a:t>How to reproduce your result?</a:t>
+            </a:r>
+          </a:p>
+          <a:p>
+            <a:pPr lvl="2"/>
+            <a:r>
+              <a:rPr lang="en-US" altLang="zh-TW" sz="3600" dirty="0" smtClean="0"/>
+              <a:t>Download from my </a:t>
+            </a:r>
+            <a:r>
+              <a:rPr lang="en-US" altLang="zh-TW" sz="3600" dirty="0" err="1" smtClean="0"/>
+              <a:t>github</a:t>
+            </a:r>
+            <a:r>
+              <a:rPr lang="en-US" altLang="zh-TW" sz="3600" dirty="0" smtClean="0"/>
+              <a:t> link</a:t>
+            </a:r>
+          </a:p>
+          <a:p>
+            <a:pPr lvl="2"/>
+            <a:r>
+              <a:rPr lang="en-US" altLang="zh-TW" sz="3600" dirty="0" smtClean="0"/>
+              <a:t>Follow readme file</a:t>
+            </a:r>
+          </a:p>
+          <a:p>
+            <a:pPr lvl="1"/>
+            <a:r>
+              <a:rPr lang="en-US" altLang="zh-TW" sz="3600" dirty="0"/>
+              <a:t>What is the challenge part of your project</a:t>
+            </a:r>
+            <a:r>
+              <a:rPr lang="en-US" altLang="zh-TW" sz="3600" dirty="0" smtClean="0"/>
+              <a:t>?</a:t>
+            </a:r>
+          </a:p>
+          <a:p>
+            <a:pPr lvl="2"/>
+            <a:r>
+              <a:rPr lang="en-US" altLang="zh-TW" sz="3600" dirty="0" smtClean="0"/>
+              <a:t>Decide the dataset </a:t>
+            </a:r>
+          </a:p>
+          <a:p>
+            <a:pPr lvl="2"/>
+            <a:r>
+              <a:rPr lang="en-US" altLang="zh-TW" sz="3600" dirty="0"/>
+              <a:t>Integrate my homework code</a:t>
+            </a:r>
+          </a:p>
+          <a:p>
+            <a:pPr lvl="2"/>
+            <a:r>
+              <a:rPr lang="en-US" altLang="zh-TW" sz="3600" dirty="0" smtClean="0"/>
+              <a:t>Visualization</a:t>
+            </a:r>
+          </a:p>
+          <a:p>
+            <a:pPr lvl="2"/>
+            <a:endParaRPr lang="en-US" altLang="zh-TW" sz="3600" dirty="0" smtClean="0"/>
+          </a:p>
+        </p:txBody>
+      </p:sp>
+    </p:spTree>
+    <p:extLst>
+      <p:ext uri="{BB962C8B-B14F-4D97-AF65-F5344CB8AC3E}">
+        <p14:creationId xmlns:p14="http://schemas.microsoft.com/office/powerpoint/2010/main" val="1065414205"/>
+      </p:ext>
+    </p:extLst>
+  </p:cSld>
+  <p:clrMapOvr>
+    <a:masterClrMapping/>
+  </p:clrMapOvr>
+  <p:timing>
+    <p:tnLst>
+      <p:par>
+        <p:cTn id="1" dur="indefinite" restart="never" nodeType="tmRoot"/>
+      </p:par>
+    </p:tnLst>
+  </p:timing>
+</p:sld>
+</file>
+
+<file path=ppt/slides/slide12.xml><?xml version="1.0" encoding="utf-8"?>
+<p:sld xmlns:a="http://schemas.openxmlformats.org/drawingml/2006/main" xmlns:r="http://schemas.openxmlformats.org/officeDocument/2006/relationships" xmlns:p="http://schemas.openxmlformats.org/presentationml/2006/main">
+  <p:cSld>
+    <p:spTree>
+      <p:nvGrpSpPr>
+        <p:cNvPr id="1" name=""/>
+        <p:cNvGrpSpPr/>
+        <p:nvPr/>
+      </p:nvGrpSpPr>
+      <p:grpSpPr>
+        <a:xfrm>
+          <a:off x="0" y="0"/>
+          <a:ext cx="0" cy="0"/>
+          <a:chOff x="0" y="0"/>
+          <a:chExt cx="0" cy="0"/>
+        </a:xfrm>
+      </p:grpSpPr>
+      <p:sp>
+        <p:nvSpPr>
           <p:cNvPr id="2" name="Title 1"/>
           <p:cNvSpPr>
             <a:spLocks noGrp="1"/>
@@ -8321,7 +9095,15 @@
           <a:p>
             <a:r>
               <a:rPr lang="en-US" dirty="0" smtClean="0"/>
-              <a:t>Thanks for Listening!</a:t>
+              <a:t>Thanks for </a:t>
+            </a:r>
+            <a:r>
+              <a:rPr lang="en-US" dirty="0" smtClean="0"/>
+              <a:t>listening</a:t>
+            </a:r>
+            <a:r>
+              <a:rPr lang="en-US" dirty="0" smtClean="0"/>
+              <a:t>!</a:t>
             </a:r>
             <a:endParaRPr lang="en-US" dirty="0"/>
           </a:p>
@@ -9637,6 +10419,52 @@
           </a:effectLst>
         </p:spPr>
       </p:pic>
+      <p:sp>
+        <p:nvSpPr>
+          <p:cNvPr id="5" name="矩形 4"/>
+          <p:cNvSpPr/>
+          <p:nvPr/>
+        </p:nvSpPr>
+        <p:spPr>
+          <a:xfrm>
+            <a:off x="6204857" y="2457312"/>
+            <a:ext cx="1026426" cy="3691497"/>
+          </a:xfrm>
+          <a:prstGeom prst="rect">
+            <a:avLst/>
+          </a:prstGeom>
+          <a:noFill/>
+          <a:ln w="38100">
+            <a:solidFill>
+              <a:srgbClr val="FF0000"/>
+            </a:solidFill>
+          </a:ln>
+        </p:spPr>
+        <p:style>
+          <a:lnRef idx="2">
+            <a:schemeClr val="accent1">
+              <a:shade val="50000"/>
+            </a:schemeClr>
+          </a:lnRef>
+          <a:fillRef idx="1">
+            <a:schemeClr val="accent1"/>
+          </a:fillRef>
+          <a:effectRef idx="0">
+            <a:schemeClr val="accent1"/>
+          </a:effectRef>
+          <a:fontRef idx="minor">
+            <a:schemeClr val="lt1"/>
+          </a:fontRef>
+        </p:style>
+        <p:txBody>
+          <a:bodyPr rtlCol="0" anchor="ctr"/>
+          <a:lstStyle/>
+          <a:p>
+            <a:pPr algn="ctr"/>
+            <a:endParaRPr kumimoji="1" lang="zh-TW" altLang="en-US"/>
+          </a:p>
+        </p:txBody>
+      </p:sp>
     </p:spTree>
     <p:extLst>
       <p:ext uri="{BB962C8B-B14F-4D97-AF65-F5344CB8AC3E}">
@@ -9722,7 +10550,7 @@
         </p:spPr>
         <p:txBody>
           <a:bodyPr anchor="t">
-            <a:normAutofit/>
+            <a:normAutofit lnSpcReduction="10000"/>
           </a:bodyPr>
           <a:lstStyle/>
           <a:p>
@@ -9735,37 +10563,82 @@
             <a:pPr lvl="1"/>
             <a:r>
               <a:rPr lang="en-US" altLang="zh-TW" sz="3300" dirty="0"/>
-              <a:t>On-line visualization : Shiny</a:t>
+              <a:t>On-line </a:t>
+            </a:r>
+            <a:r>
+              <a:rPr lang="en-US" altLang="zh-TW" sz="3300" dirty="0" smtClean="0"/>
+              <a:t>visualization</a:t>
             </a:r>
           </a:p>
           <a:p>
             <a:pPr lvl="2"/>
             <a:r>
+              <a:rPr lang="en-US" altLang="zh-TW" sz="3100" dirty="0" smtClean="0"/>
+              <a:t>Shiny : </a:t>
+            </a:r>
+            <a:r>
+              <a:rPr lang="en-US" altLang="zh-TW" sz="2400" dirty="0" smtClean="0">
+                <a:hlinkClick r:id="rId3"/>
+              </a:rPr>
+              <a:t>https</a:t>
+            </a:r>
+            <a:r>
+              <a:rPr lang="en-US" altLang="zh-TW" sz="2400" dirty="0">
+                <a:hlinkClick r:id="rId3"/>
+              </a:rPr>
+              <a:t>://</a:t>
+            </a:r>
+            <a:r>
+              <a:rPr lang="en-US" altLang="zh-TW" sz="2400" dirty="0" smtClean="0">
+                <a:hlinkClick r:id="rId3"/>
+              </a:rPr>
+              <a:t>yangminglin.shinyapps.io/final_project/</a:t>
+            </a:r>
+            <a:endParaRPr lang="en-US" altLang="zh-TW" sz="2400" dirty="0" smtClean="0"/>
+          </a:p>
+          <a:p>
+            <a:pPr lvl="2"/>
+            <a:r>
+              <a:rPr lang="en-US" altLang="zh-TW" sz="2400" dirty="0" err="1" smtClean="0"/>
+              <a:t>Rmarkdown</a:t>
+            </a:r>
+            <a:r>
               <a:rPr lang="en-US" altLang="zh-TW" sz="2400" dirty="0"/>
-              <a:t>https://</a:t>
-            </a:r>
-            <a:r>
-              <a:rPr lang="en-US" altLang="zh-TW" sz="2400" dirty="0" err="1"/>
-              <a:t>yangminglin.shinyapps.io</a:t>
-            </a:r>
-            <a:r>
-              <a:rPr lang="en-US" altLang="zh-TW" sz="2400" dirty="0"/>
-              <a:t>/</a:t>
-            </a:r>
-            <a:r>
-              <a:rPr lang="en-US" altLang="zh-TW" sz="2400" dirty="0" err="1"/>
-              <a:t>final_project</a:t>
-            </a:r>
-            <a:r>
-              <a:rPr lang="en-US" altLang="zh-TW" sz="2400" dirty="0"/>
-              <a:t>/</a:t>
-            </a:r>
+              <a:t> </a:t>
+            </a:r>
+            <a:r>
+              <a:rPr lang="en-US" altLang="zh-TW" sz="2400" dirty="0" smtClean="0"/>
+              <a:t>: </a:t>
+            </a:r>
+            <a:r>
+              <a:rPr lang="en-US" altLang="zh-TW" sz="2400" dirty="0" smtClean="0">
+                <a:hlinkClick r:id="rId4"/>
+              </a:rPr>
+              <a:t>http</a:t>
+            </a:r>
+            <a:r>
+              <a:rPr lang="en-US" altLang="zh-TW" sz="2400" dirty="0">
+                <a:hlinkClick r:id="rId4"/>
+              </a:rPr>
+              <a:t>://www.cs.nccu.edu.tw/~</a:t>
+            </a:r>
+            <a:r>
+              <a:rPr lang="en-US" altLang="zh-TW" sz="2400" dirty="0" smtClean="0">
+                <a:hlinkClick r:id="rId4"/>
+              </a:rPr>
+              <a:t>g10532/FinalProject_rmarkdown.html</a:t>
+            </a:r>
+            <a:endParaRPr lang="en-US" altLang="zh-TW" sz="2400" dirty="0" smtClean="0"/>
           </a:p>
           <a:p>
             <a:pPr lvl="1"/>
             <a:r>
+              <a:rPr lang="en-US" altLang="zh-TW" sz="3300" dirty="0" smtClean="0"/>
+              <a:t>How </a:t>
+            </a:r>
+            <a:r>
               <a:rPr lang="en-US" altLang="zh-TW" sz="3300" dirty="0"/>
-              <a:t>How do you document your project?</a:t>
+              <a:t>do you document your project?</a:t>
             </a:r>
           </a:p>
           <a:p>
@@ -9776,24 +10649,29 @@
             </a:r>
             <a:r>
               <a:rPr lang="en-US" altLang="zh-TW" sz="2400" dirty="0"/>
-              <a:t> : https://</a:t>
-            </a:r>
-            <a:r>
-              <a:rPr lang="en-US" altLang="zh-TW" sz="2400" dirty="0" err="1"/>
-              <a:t>github.com</a:t>
-            </a:r>
-            <a:r>
-              <a:rPr lang="en-US" altLang="zh-TW" sz="2400" dirty="0"/>
+              <a:t> : </a:t>
+            </a:r>
+            <a:r>
+              <a:rPr lang="en-US" altLang="zh-TW" sz="2400" dirty="0">
+                <a:hlinkClick r:id="rId5"/>
+              </a:rPr>
+              <a:t>https://github.com/Komegaga/1052DataScience</a:t>
+            </a:r>
+            <a:r>
+              <a:rPr lang="en-US" altLang="zh-TW" sz="2400" dirty="0" smtClean="0">
+                <a:hlinkClick r:id="rId5"/>
+              </a:rPr>
               <a:t>/</a:t>
             </a:r>
-            <a:r>
-              <a:rPr lang="en-US" altLang="zh-TW" sz="2400" dirty="0" err="1"/>
-              <a:t>Komegaga</a:t>
-            </a:r>
-            <a:r>
-              <a:rPr lang="en-US" altLang="zh-TW" sz="2400" dirty="0"/>
-              <a:t>/1052DataScience/</a:t>
-            </a:r>
+            <a:endParaRPr lang="en-US" altLang="zh-TW" sz="2400" dirty="0" smtClean="0"/>
+          </a:p>
+          <a:p>
+            <a:pPr lvl="2"/>
+            <a:r>
+              <a:rPr lang="en-US" altLang="zh-TW" sz="2400" dirty="0" err="1" smtClean="0"/>
+              <a:t>Rmarkdown</a:t>
+            </a:r>
+            <a:endParaRPr lang="en-US" altLang="zh-TW" sz="2400" dirty="0"/>
           </a:p>
           <a:p>
             <a:pPr lvl="2"/>
@@ -9804,7 +10682,7 @@
     </p:spTree>
     <p:extLst>
       <p:ext uri="{BB962C8B-B14F-4D97-AF65-F5344CB8AC3E}">
-        <p14:creationId xmlns:p14="http://schemas.microsoft.com/office/powerpoint/2010/main" val="112924779"/>
+        <p14:creationId xmlns:p14="http://schemas.microsoft.com/office/powerpoint/2010/main" val="2094320798"/>
       </p:ext>
     </p:extLst>
   </p:cSld>
